--- a/presentations/231103.pptx
+++ b/presentations/231103.pptx
@@ -261,7 +261,7 @@
           <a:p>
             <a:fld id="{DB3D4718-F915-004B-9F09-68AAF001912E}" type="datetimeFigureOut">
               <a:rPr lang="en-US" smtClean="0"/>
-              <a:t>11/1/23</a:t>
+              <a:t>11/3/23</a:t>
             </a:fld>
             <a:endParaRPr lang="en-US"/>
           </a:p>
@@ -459,7 +459,7 @@
           <a:p>
             <a:fld id="{DB3D4718-F915-004B-9F09-68AAF001912E}" type="datetimeFigureOut">
               <a:rPr lang="en-US" smtClean="0"/>
-              <a:t>11/1/23</a:t>
+              <a:t>11/3/23</a:t>
             </a:fld>
             <a:endParaRPr lang="en-US"/>
           </a:p>
@@ -667,7 +667,7 @@
           <a:p>
             <a:fld id="{DB3D4718-F915-004B-9F09-68AAF001912E}" type="datetimeFigureOut">
               <a:rPr lang="en-US" smtClean="0"/>
-              <a:t>11/1/23</a:t>
+              <a:t>11/3/23</a:t>
             </a:fld>
             <a:endParaRPr lang="en-US"/>
           </a:p>
@@ -865,7 +865,7 @@
           <a:p>
             <a:fld id="{DB3D4718-F915-004B-9F09-68AAF001912E}" type="datetimeFigureOut">
               <a:rPr lang="en-US" smtClean="0"/>
-              <a:t>11/1/23</a:t>
+              <a:t>11/3/23</a:t>
             </a:fld>
             <a:endParaRPr lang="en-US"/>
           </a:p>
@@ -1140,7 +1140,7 @@
           <a:p>
             <a:fld id="{DB3D4718-F915-004B-9F09-68AAF001912E}" type="datetimeFigureOut">
               <a:rPr lang="en-US" smtClean="0"/>
-              <a:t>11/1/23</a:t>
+              <a:t>11/3/23</a:t>
             </a:fld>
             <a:endParaRPr lang="en-US"/>
           </a:p>
@@ -1405,7 +1405,7 @@
           <a:p>
             <a:fld id="{DB3D4718-F915-004B-9F09-68AAF001912E}" type="datetimeFigureOut">
               <a:rPr lang="en-US" smtClean="0"/>
-              <a:t>11/1/23</a:t>
+              <a:t>11/3/23</a:t>
             </a:fld>
             <a:endParaRPr lang="en-US"/>
           </a:p>
@@ -1817,7 +1817,7 @@
           <a:p>
             <a:fld id="{DB3D4718-F915-004B-9F09-68AAF001912E}" type="datetimeFigureOut">
               <a:rPr lang="en-US" smtClean="0"/>
-              <a:t>11/1/23</a:t>
+              <a:t>11/3/23</a:t>
             </a:fld>
             <a:endParaRPr lang="en-US"/>
           </a:p>
@@ -1958,7 +1958,7 @@
           <a:p>
             <a:fld id="{DB3D4718-F915-004B-9F09-68AAF001912E}" type="datetimeFigureOut">
               <a:rPr lang="en-US" smtClean="0"/>
-              <a:t>11/1/23</a:t>
+              <a:t>11/3/23</a:t>
             </a:fld>
             <a:endParaRPr lang="en-US"/>
           </a:p>
@@ -2071,7 +2071,7 @@
           <a:p>
             <a:fld id="{DB3D4718-F915-004B-9F09-68AAF001912E}" type="datetimeFigureOut">
               <a:rPr lang="en-US" smtClean="0"/>
-              <a:t>11/1/23</a:t>
+              <a:t>11/3/23</a:t>
             </a:fld>
             <a:endParaRPr lang="en-US"/>
           </a:p>
@@ -2382,7 +2382,7 @@
           <a:p>
             <a:fld id="{DB3D4718-F915-004B-9F09-68AAF001912E}" type="datetimeFigureOut">
               <a:rPr lang="en-US" smtClean="0"/>
-              <a:t>11/1/23</a:t>
+              <a:t>11/3/23</a:t>
             </a:fld>
             <a:endParaRPr lang="en-US"/>
           </a:p>
@@ -2670,7 +2670,7 @@
           <a:p>
             <a:fld id="{DB3D4718-F915-004B-9F09-68AAF001912E}" type="datetimeFigureOut">
               <a:rPr lang="en-US" smtClean="0"/>
-              <a:t>11/1/23</a:t>
+              <a:t>11/3/23</a:t>
             </a:fld>
             <a:endParaRPr lang="en-US"/>
           </a:p>
@@ -2911,7 +2911,7 @@
           <a:p>
             <a:fld id="{DB3D4718-F915-004B-9F09-68AAF001912E}" type="datetimeFigureOut">
               <a:rPr lang="en-US" smtClean="0"/>
-              <a:t>11/1/23</a:t>
+              <a:t>11/3/23</a:t>
             </a:fld>
             <a:endParaRPr lang="en-US"/>
           </a:p>
@@ -3486,256 +3486,27 @@
           </a:p>
         </p:txBody>
       </p:sp>
-      <p:pic>
-        <p:nvPicPr>
-          <p:cNvPr id="5" name="Content Placeholder 4" descr="A graph of a number of numbers&#10;&#10;Description automatically generated">
-            <a:extLst>
-              <a:ext uri="{FF2B5EF4-FFF2-40B4-BE49-F238E27FC236}">
-                <a16:creationId xmlns:a16="http://schemas.microsoft.com/office/drawing/2014/main" id="{268F602D-F7A3-45D8-0B11-95BA39727CE2}"/>
-              </a:ext>
-            </a:extLst>
-          </p:cNvPr>
-          <p:cNvPicPr>
-            <a:picLocks noGrp="1" noChangeAspect="1"/>
-          </p:cNvPicPr>
+      <p:sp>
+        <p:nvSpPr>
+          <p:cNvPr id="14" name="Content Placeholder 13">
+            <a:extLst>
+              <a:ext uri="{FF2B5EF4-FFF2-40B4-BE49-F238E27FC236}">
+                <a16:creationId xmlns:a16="http://schemas.microsoft.com/office/drawing/2014/main" id="{AFCDB1D6-01C4-06D6-3D43-EB0FF54BA534}"/>
+              </a:ext>
+            </a:extLst>
+          </p:cNvPr>
+          <p:cNvSpPr>
+            <a:spLocks noGrp="1"/>
+          </p:cNvSpPr>
           <p:nvPr>
             <p:ph idx="1"/>
           </p:nvPr>
-        </p:nvPicPr>
-        <p:blipFill>
-          <a:blip r:embed="rId2"/>
-          <a:stretch>
-            <a:fillRect/>
-          </a:stretch>
-        </p:blipFill>
-        <p:spPr>
-          <a:xfrm>
-            <a:off x="6172200" y="1205307"/>
-            <a:ext cx="5181600" cy="4152900"/>
-          </a:xfrm>
-        </p:spPr>
-      </p:pic>
-      <p:pic>
-        <p:nvPicPr>
-          <p:cNvPr id="7" name="Picture 6" descr="A graph of data sampling&#10;&#10;Description automatically generated">
-            <a:extLst>
-              <a:ext uri="{FF2B5EF4-FFF2-40B4-BE49-F238E27FC236}">
-                <a16:creationId xmlns:a16="http://schemas.microsoft.com/office/drawing/2014/main" id="{B00E4674-FCC1-FE97-8301-0358D4719795}"/>
-              </a:ext>
-            </a:extLst>
-          </p:cNvPr>
-          <p:cNvPicPr>
-            <a:picLocks noChangeAspect="1"/>
-          </p:cNvPicPr>
-          <p:nvPr/>
-        </p:nvPicPr>
-        <p:blipFill>
-          <a:blip r:embed="rId3"/>
-          <a:stretch>
-            <a:fillRect/>
-          </a:stretch>
-        </p:blipFill>
-        <p:spPr>
-          <a:xfrm>
-            <a:off x="532364" y="1227701"/>
-            <a:ext cx="5600700" cy="4152900"/>
-          </a:xfrm>
-          <a:prstGeom prst="rect">
-            <a:avLst/>
-          </a:prstGeom>
-        </p:spPr>
-      </p:pic>
-      <p:sp>
-        <p:nvSpPr>
-          <p:cNvPr id="8" name="Oval 7">
-            <a:extLst>
-              <a:ext uri="{FF2B5EF4-FFF2-40B4-BE49-F238E27FC236}">
-                <a16:creationId xmlns:a16="http://schemas.microsoft.com/office/drawing/2014/main" id="{B06C6090-A6C0-5907-7615-C0DAA488D2B4}"/>
-              </a:ext>
-            </a:extLst>
-          </p:cNvPr>
-          <p:cNvSpPr/>
-          <p:nvPr/>
-        </p:nvSpPr>
-        <p:spPr>
-          <a:xfrm>
-            <a:off x="10687987" y="4467070"/>
-            <a:ext cx="734929" cy="771217"/>
-          </a:xfrm>
-          <a:prstGeom prst="ellipse">
-            <a:avLst/>
-          </a:prstGeom>
-          <a:noFill/>
-          <a:ln>
-            <a:solidFill>
-              <a:srgbClr val="FF0000"/>
-            </a:solidFill>
-          </a:ln>
-        </p:spPr>
-        <p:style>
-          <a:lnRef idx="2">
-            <a:schemeClr val="accent1">
-              <a:shade val="50000"/>
-            </a:schemeClr>
-          </a:lnRef>
-          <a:fillRef idx="1">
-            <a:schemeClr val="accent1"/>
-          </a:fillRef>
-          <a:effectRef idx="0">
-            <a:schemeClr val="accent1"/>
-          </a:effectRef>
-          <a:fontRef idx="minor">
-            <a:schemeClr val="lt1"/>
-          </a:fontRef>
-        </p:style>
-        <p:txBody>
-          <a:bodyPr rtlCol="0" anchor="ctr"/>
-          <a:lstStyle/>
-          <a:p>
-            <a:pPr algn="ctr"/>
-            <a:endParaRPr lang="en-US"/>
-          </a:p>
-        </p:txBody>
-      </p:sp>
-      <p:sp>
-        <p:nvSpPr>
-          <p:cNvPr id="9" name="TextBox 8">
-            <a:extLst>
-              <a:ext uri="{FF2B5EF4-FFF2-40B4-BE49-F238E27FC236}">
-                <a16:creationId xmlns:a16="http://schemas.microsoft.com/office/drawing/2014/main" id="{394D03F1-986F-74CC-EAD4-BBE637B5C1C2}"/>
-              </a:ext>
-            </a:extLst>
-          </p:cNvPr>
-          <p:cNvSpPr txBox="1"/>
-          <p:nvPr/>
-        </p:nvSpPr>
-        <p:spPr>
-          <a:xfrm>
-            <a:off x="8949128" y="5549102"/>
-            <a:ext cx="3028113" cy="923330"/>
-          </a:xfrm>
-          <a:prstGeom prst="rect">
-            <a:avLst/>
-          </a:prstGeom>
-          <a:noFill/>
-        </p:spPr>
-        <p:txBody>
-          <a:bodyPr wrap="square" rtlCol="0">
-            <a:spAutoFit/>
-          </a:bodyPr>
-          <a:lstStyle/>
-          <a:p>
-            <a:r>
-              <a:rPr lang="en-US" b="1" dirty="0">
-                <a:solidFill>
-                  <a:srgbClr val="FF0000"/>
-                </a:solidFill>
-              </a:rPr>
-              <a:t>First trial is very slightly slower, the rest are pretty consistent though</a:t>
-            </a:r>
-          </a:p>
-        </p:txBody>
-      </p:sp>
-      <p:sp>
-        <p:nvSpPr>
-          <p:cNvPr id="10" name="Rectangle 9">
-            <a:extLst>
-              <a:ext uri="{FF2B5EF4-FFF2-40B4-BE49-F238E27FC236}">
-                <a16:creationId xmlns:a16="http://schemas.microsoft.com/office/drawing/2014/main" id="{F2B0D75A-A6DC-01BB-8A6A-A41C871882C2}"/>
-              </a:ext>
-            </a:extLst>
-          </p:cNvPr>
-          <p:cNvSpPr/>
-          <p:nvPr/>
-        </p:nvSpPr>
-        <p:spPr>
-          <a:xfrm>
-            <a:off x="1394084" y="1492389"/>
-            <a:ext cx="4738979" cy="3394404"/>
-          </a:xfrm>
-          <a:prstGeom prst="rect">
-            <a:avLst/>
-          </a:prstGeom>
-          <a:solidFill>
-            <a:schemeClr val="bg1"/>
-          </a:solidFill>
-          <a:ln>
-            <a:noFill/>
-          </a:ln>
-        </p:spPr>
-        <p:style>
-          <a:lnRef idx="2">
-            <a:schemeClr val="accent1">
-              <a:shade val="50000"/>
-            </a:schemeClr>
-          </a:lnRef>
-          <a:fillRef idx="1">
-            <a:schemeClr val="accent1"/>
-          </a:fillRef>
-          <a:effectRef idx="0">
-            <a:schemeClr val="accent1"/>
-          </a:effectRef>
-          <a:fontRef idx="minor">
-            <a:schemeClr val="lt1"/>
-          </a:fontRef>
-        </p:style>
-        <p:txBody>
-          <a:bodyPr rtlCol="0" anchor="ctr"/>
-          <a:lstStyle/>
-          <a:p>
-            <a:pPr algn="ctr"/>
-            <a:endParaRPr lang="en-US"/>
-          </a:p>
-        </p:txBody>
-      </p:sp>
-      <p:sp>
-        <p:nvSpPr>
-          <p:cNvPr id="11" name="Rectangle 10">
-            <a:extLst>
-              <a:ext uri="{FF2B5EF4-FFF2-40B4-BE49-F238E27FC236}">
-                <a16:creationId xmlns:a16="http://schemas.microsoft.com/office/drawing/2014/main" id="{29731B5E-BB56-A24B-64B8-717E41E9460E}"/>
-              </a:ext>
-            </a:extLst>
-          </p:cNvPr>
-          <p:cNvSpPr/>
-          <p:nvPr/>
-        </p:nvSpPr>
-        <p:spPr>
-          <a:xfrm>
-            <a:off x="617104" y="1477399"/>
-            <a:ext cx="776979" cy="3471854"/>
-          </a:xfrm>
-          <a:prstGeom prst="rect">
-            <a:avLst/>
-          </a:prstGeom>
-          <a:solidFill>
-            <a:schemeClr val="bg1"/>
-          </a:solidFill>
-          <a:ln>
-            <a:noFill/>
-          </a:ln>
-        </p:spPr>
-        <p:style>
-          <a:lnRef idx="2">
-            <a:schemeClr val="accent1">
-              <a:shade val="50000"/>
-            </a:schemeClr>
-          </a:lnRef>
-          <a:fillRef idx="1">
-            <a:schemeClr val="accent1"/>
-          </a:fillRef>
-          <a:effectRef idx="0">
-            <a:schemeClr val="accent1"/>
-          </a:effectRef>
-          <a:fontRef idx="minor">
-            <a:schemeClr val="lt1"/>
-          </a:fontRef>
-        </p:style>
-        <p:txBody>
-          <a:bodyPr rtlCol="0" anchor="ctr"/>
-          <a:lstStyle/>
-          <a:p>
-            <a:pPr algn="ctr"/>
+        </p:nvSpPr>
+        <p:spPr/>
+        <p:txBody>
+          <a:bodyPr/>
+          <a:lstStyle/>
+          <a:p>
             <a:endParaRPr lang="en-US"/>
           </a:p>
         </p:txBody>
@@ -3750,265 +3521,6 @@
   <p:clrMapOvr>
     <a:masterClrMapping/>
   </p:clrMapOvr>
-  <p:timing>
-    <p:tnLst>
-      <p:par>
-        <p:cTn id="1" dur="indefinite" restart="never" nodeType="tmRoot">
-          <p:childTnLst>
-            <p:seq concurrent="1" nextAc="seek">
-              <p:cTn id="2" dur="indefinite" nodeType="mainSeq">
-                <p:childTnLst>
-                  <p:par>
-                    <p:cTn id="3" fill="hold">
-                      <p:stCondLst>
-                        <p:cond delay="indefinite"/>
-                      </p:stCondLst>
-                      <p:childTnLst>
-                        <p:par>
-                          <p:cTn id="4" fill="hold">
-                            <p:stCondLst>
-                              <p:cond delay="0"/>
-                            </p:stCondLst>
-                            <p:childTnLst>
-                              <p:par>
-                                <p:cTn id="5" presetID="9" presetClass="exit" presetSubtype="0" fill="hold" grpId="0" nodeType="clickEffect">
-                                  <p:stCondLst>
-                                    <p:cond delay="0"/>
-                                  </p:stCondLst>
-                                  <p:childTnLst>
-                                    <p:animEffect transition="out" filter="dissolve">
-                                      <p:cBhvr>
-                                        <p:cTn id="6" dur="500"/>
-                                        <p:tgtEl>
-                                          <p:spTgt spid="11"/>
-                                        </p:tgtEl>
-                                      </p:cBhvr>
-                                    </p:animEffect>
-                                    <p:set>
-                                      <p:cBhvr>
-                                        <p:cTn id="7" dur="1" fill="hold">
-                                          <p:stCondLst>
-                                            <p:cond delay="499"/>
-                                          </p:stCondLst>
-                                        </p:cTn>
-                                        <p:tgtEl>
-                                          <p:spTgt spid="11"/>
-                                        </p:tgtEl>
-                                        <p:attrNameLst>
-                                          <p:attrName>style.visibility</p:attrName>
-                                        </p:attrNameLst>
-                                      </p:cBhvr>
-                                      <p:to>
-                                        <p:strVal val="hidden"/>
-                                      </p:to>
-                                    </p:set>
-                                  </p:childTnLst>
-                                </p:cTn>
-                              </p:par>
-                            </p:childTnLst>
-                          </p:cTn>
-                        </p:par>
-                      </p:childTnLst>
-                    </p:cTn>
-                  </p:par>
-                  <p:par>
-                    <p:cTn id="8" fill="hold">
-                      <p:stCondLst>
-                        <p:cond delay="indefinite"/>
-                      </p:stCondLst>
-                      <p:childTnLst>
-                        <p:par>
-                          <p:cTn id="9" fill="hold">
-                            <p:stCondLst>
-                              <p:cond delay="0"/>
-                            </p:stCondLst>
-                            <p:childTnLst>
-                              <p:par>
-                                <p:cTn id="10" presetID="9" presetClass="exit" presetSubtype="0" fill="hold" grpId="0" nodeType="clickEffect">
-                                  <p:stCondLst>
-                                    <p:cond delay="0"/>
-                                  </p:stCondLst>
-                                  <p:childTnLst>
-                                    <p:animEffect transition="out" filter="dissolve">
-                                      <p:cBhvr>
-                                        <p:cTn id="11" dur="500"/>
-                                        <p:tgtEl>
-                                          <p:spTgt spid="10"/>
-                                        </p:tgtEl>
-                                      </p:cBhvr>
-                                    </p:animEffect>
-                                    <p:set>
-                                      <p:cBhvr>
-                                        <p:cTn id="12" dur="1" fill="hold">
-                                          <p:stCondLst>
-                                            <p:cond delay="499"/>
-                                          </p:stCondLst>
-                                        </p:cTn>
-                                        <p:tgtEl>
-                                          <p:spTgt spid="10"/>
-                                        </p:tgtEl>
-                                        <p:attrNameLst>
-                                          <p:attrName>style.visibility</p:attrName>
-                                        </p:attrNameLst>
-                                      </p:cBhvr>
-                                      <p:to>
-                                        <p:strVal val="hidden"/>
-                                      </p:to>
-                                    </p:set>
-                                  </p:childTnLst>
-                                </p:cTn>
-                              </p:par>
-                            </p:childTnLst>
-                          </p:cTn>
-                        </p:par>
-                      </p:childTnLst>
-                    </p:cTn>
-                  </p:par>
-                  <p:par>
-                    <p:cTn id="13" fill="hold">
-                      <p:stCondLst>
-                        <p:cond delay="indefinite"/>
-                      </p:stCondLst>
-                      <p:childTnLst>
-                        <p:par>
-                          <p:cTn id="14" fill="hold">
-                            <p:stCondLst>
-                              <p:cond delay="0"/>
-                            </p:stCondLst>
-                            <p:childTnLst>
-                              <p:par>
-                                <p:cTn id="15" presetID="1" presetClass="entr" presetSubtype="0" fill="hold" nodeType="clickEffect">
-                                  <p:stCondLst>
-                                    <p:cond delay="0"/>
-                                  </p:stCondLst>
-                                  <p:childTnLst>
-                                    <p:set>
-                                      <p:cBhvr>
-                                        <p:cTn id="16" dur="1" fill="hold">
-                                          <p:stCondLst>
-                                            <p:cond delay="0"/>
-                                          </p:stCondLst>
-                                        </p:cTn>
-                                        <p:tgtEl>
-                                          <p:spTgt spid="5"/>
-                                        </p:tgtEl>
-                                        <p:attrNameLst>
-                                          <p:attrName>style.visibility</p:attrName>
-                                        </p:attrNameLst>
-                                      </p:cBhvr>
-                                      <p:to>
-                                        <p:strVal val="visible"/>
-                                      </p:to>
-                                    </p:set>
-                                  </p:childTnLst>
-                                </p:cTn>
-                              </p:par>
-                            </p:childTnLst>
-                          </p:cTn>
-                        </p:par>
-                      </p:childTnLst>
-                    </p:cTn>
-                  </p:par>
-                  <p:par>
-                    <p:cTn id="17" fill="hold">
-                      <p:stCondLst>
-                        <p:cond delay="indefinite"/>
-                      </p:stCondLst>
-                      <p:childTnLst>
-                        <p:par>
-                          <p:cTn id="18" fill="hold">
-                            <p:stCondLst>
-                              <p:cond delay="0"/>
-                            </p:stCondLst>
-                            <p:childTnLst>
-                              <p:par>
-                                <p:cTn id="19" presetID="1" presetClass="entr" presetSubtype="0" fill="hold" grpId="0" nodeType="clickEffect">
-                                  <p:stCondLst>
-                                    <p:cond delay="0"/>
-                                  </p:stCondLst>
-                                  <p:childTnLst>
-                                    <p:set>
-                                      <p:cBhvr>
-                                        <p:cTn id="20" dur="1" fill="hold">
-                                          <p:stCondLst>
-                                            <p:cond delay="0"/>
-                                          </p:stCondLst>
-                                        </p:cTn>
-                                        <p:tgtEl>
-                                          <p:spTgt spid="9"/>
-                                        </p:tgtEl>
-                                        <p:attrNameLst>
-                                          <p:attrName>style.visibility</p:attrName>
-                                        </p:attrNameLst>
-                                      </p:cBhvr>
-                                      <p:to>
-                                        <p:strVal val="visible"/>
-                                      </p:to>
-                                    </p:set>
-                                  </p:childTnLst>
-                                </p:cTn>
-                              </p:par>
-                              <p:par>
-                                <p:cTn id="21" presetID="1" presetClass="entr" presetSubtype="0" fill="hold" grpId="0" nodeType="withEffect">
-                                  <p:stCondLst>
-                                    <p:cond delay="0"/>
-                                  </p:stCondLst>
-                                  <p:childTnLst>
-                                    <p:set>
-                                      <p:cBhvr>
-                                        <p:cTn id="22" dur="1" fill="hold">
-                                          <p:stCondLst>
-                                            <p:cond delay="0"/>
-                                          </p:stCondLst>
-                                        </p:cTn>
-                                        <p:tgtEl>
-                                          <p:spTgt spid="8"/>
-                                        </p:tgtEl>
-                                        <p:attrNameLst>
-                                          <p:attrName>style.visibility</p:attrName>
-                                        </p:attrNameLst>
-                                      </p:cBhvr>
-                                      <p:to>
-                                        <p:strVal val="visible"/>
-                                      </p:to>
-                                    </p:set>
-                                  </p:childTnLst>
-                                </p:cTn>
-                              </p:par>
-                            </p:childTnLst>
-                          </p:cTn>
-                        </p:par>
-                      </p:childTnLst>
-                    </p:cTn>
-                  </p:par>
-                </p:childTnLst>
-              </p:cTn>
-              <p:prevCondLst>
-                <p:cond evt="onPrev" delay="0">
-                  <p:tgtEl>
-                    <p:sldTgt/>
-                  </p:tgtEl>
-                </p:cond>
-              </p:prevCondLst>
-              <p:nextCondLst>
-                <p:cond evt="onNext" delay="0">
-                  <p:tgtEl>
-                    <p:sldTgt/>
-                  </p:tgtEl>
-                </p:cond>
-              </p:nextCondLst>
-            </p:seq>
-          </p:childTnLst>
-        </p:cTn>
-      </p:par>
-    </p:tnLst>
-    <p:bldLst>
-      <p:bldP spid="8" grpId="0" animBg="1"/>
-      <p:bldP spid="9" grpId="0"/>
-      <p:bldP spid="10" grpId="0" animBg="1"/>
-      <p:bldP spid="11" grpId="0" animBg="1"/>
-    </p:bldLst>
-  </p:timing>
 </p:sld>
 </file>
 
@@ -4053,7 +3565,7 @@
         </p:spPr>
         <p:txBody>
           <a:bodyPr>
-            <a:normAutofit fontScale="90000"/>
+            <a:normAutofit/>
           </a:bodyPr>
           <a:lstStyle/>
           <a:p>
@@ -4062,474 +3574,75 @@
                 <a:latin typeface="Arial" panose="020B0604020202020204" pitchFamily="34" charset="0"/>
                 <a:cs typeface="Arial" panose="020B0604020202020204" pitchFamily="34" charset="0"/>
               </a:rPr>
-              <a:t>Differences in sampling rate between sampling in between running sections of code (</a:t>
-            </a:r>
-            <a:r>
-              <a:rPr lang="en-US" sz="2400" b="1" dirty="0" err="1">
-                <a:latin typeface="Arial" panose="020B0604020202020204" pitchFamily="34" charset="0"/>
-                <a:cs typeface="Arial" panose="020B0604020202020204" pitchFamily="34" charset="0"/>
-              </a:rPr>
-              <a:t>dataArduino</a:t>
-            </a:r>
-            <a:r>
-              <a:rPr lang="en-US" sz="2400" b="1" dirty="0">
-                <a:latin typeface="Arial" panose="020B0604020202020204" pitchFamily="34" charset="0"/>
-                <a:cs typeface="Arial" panose="020B0604020202020204" pitchFamily="34" charset="0"/>
-              </a:rPr>
-              <a:t>) and asynchronous sampling (</a:t>
-            </a:r>
-            <a:r>
-              <a:rPr lang="en-US" sz="2400" b="1" dirty="0" err="1">
-                <a:latin typeface="Arial" panose="020B0604020202020204" pitchFamily="34" charset="0"/>
-                <a:cs typeface="Arial" panose="020B0604020202020204" pitchFamily="34" charset="0"/>
-              </a:rPr>
-              <a:t>lever_data</a:t>
-            </a:r>
-            <a:r>
-              <a:rPr lang="en-US" sz="2400" b="1" dirty="0">
-                <a:latin typeface="Arial" panose="020B0604020202020204" pitchFamily="34" charset="0"/>
-                <a:cs typeface="Arial" panose="020B0604020202020204" pitchFamily="34" charset="0"/>
-              </a:rPr>
-              <a:t>)</a:t>
-            </a:r>
-          </a:p>
-        </p:txBody>
-      </p:sp>
-      <p:sp>
-        <p:nvSpPr>
-          <p:cNvPr id="12" name="Title 1">
-            <a:extLst>
-              <a:ext uri="{FF2B5EF4-FFF2-40B4-BE49-F238E27FC236}">
-                <a16:creationId xmlns:a16="http://schemas.microsoft.com/office/drawing/2014/main" id="{43CCFC3E-D377-7CF3-87F1-B5D6B24F4DB0}"/>
-              </a:ext>
-            </a:extLst>
-          </p:cNvPr>
-          <p:cNvSpPr txBox="1">
-            <a:spLocks/>
-          </p:cNvSpPr>
+              <a:t>B1</a:t>
+            </a:r>
+          </a:p>
+        </p:txBody>
+      </p:sp>
+      <p:pic>
+        <p:nvPicPr>
+          <p:cNvPr id="3" name="Picture 2">
+            <a:extLst>
+              <a:ext uri="{FF2B5EF4-FFF2-40B4-BE49-F238E27FC236}">
+                <a16:creationId xmlns:a16="http://schemas.microsoft.com/office/drawing/2014/main" id="{CAA8C840-AE0E-D7B3-8670-2555B0B240FC}"/>
+              </a:ext>
+            </a:extLst>
+          </p:cNvPr>
+          <p:cNvPicPr>
+            <a:picLocks noChangeAspect="1"/>
+          </p:cNvPicPr>
           <p:nvPr/>
-        </p:nvSpPr>
+        </p:nvPicPr>
+        <p:blipFill>
+          <a:blip r:embed="rId2"/>
+          <a:stretch>
+            <a:fillRect/>
+          </a:stretch>
+        </p:blipFill>
         <p:spPr>
           <a:xfrm>
-            <a:off x="584617" y="1644052"/>
-            <a:ext cx="5352738" cy="4743892"/>
+            <a:off x="245011" y="1118394"/>
+            <a:ext cx="3873500" cy="2882900"/>
           </a:xfrm>
           <a:prstGeom prst="rect">
             <a:avLst/>
           </a:prstGeom>
         </p:spPr>
-        <p:txBody>
-          <a:bodyPr vert="horz" lIns="91440" tIns="45720" rIns="91440" bIns="45720" rtlCol="0" anchor="t">
-            <a:normAutofit fontScale="97500"/>
-          </a:bodyPr>
-          <a:lstStyle>
-            <a:lvl1pPr algn="l" defTabSz="914400" rtl="0" eaLnBrk="1" latinLnBrk="0" hangingPunct="1">
-              <a:lnSpc>
-                <a:spcPct val="90000"/>
-              </a:lnSpc>
-              <a:spcBef>
-                <a:spcPct val="0"/>
-              </a:spcBef>
-              <a:buNone/>
-              <a:defRPr sz="4400" kern="1200">
-                <a:solidFill>
-                  <a:schemeClr val="tx1"/>
-                </a:solidFill>
-                <a:latin typeface="+mj-lt"/>
-                <a:ea typeface="+mj-ea"/>
-                <a:cs typeface="+mj-cs"/>
-              </a:defRPr>
-            </a:lvl1pPr>
-          </a:lstStyle>
-          <a:p>
-            <a:r>
-              <a:rPr lang="en-US" sz="1600" b="1" dirty="0">
-                <a:latin typeface="Arial" panose="020B0604020202020204" pitchFamily="34" charset="0"/>
-                <a:cs typeface="Arial" panose="020B0604020202020204" pitchFamily="34" charset="0"/>
-              </a:rPr>
-              <a:t>Sampling in between running sections of code (</a:t>
-            </a:r>
-            <a:r>
-              <a:rPr lang="en-US" sz="1600" b="1" dirty="0" err="1">
-                <a:latin typeface="Arial" panose="020B0604020202020204" pitchFamily="34" charset="0"/>
-                <a:cs typeface="Arial" panose="020B0604020202020204" pitchFamily="34" charset="0"/>
-              </a:rPr>
-              <a:t>dataArduino</a:t>
-            </a:r>
-            <a:r>
-              <a:rPr lang="en-US" sz="1600" b="1" dirty="0">
-                <a:latin typeface="Arial" panose="020B0604020202020204" pitchFamily="34" charset="0"/>
-                <a:cs typeface="Arial" panose="020B0604020202020204" pitchFamily="34" charset="0"/>
-              </a:rPr>
-              <a:t>):</a:t>
-            </a:r>
-          </a:p>
-          <a:p>
-            <a:endParaRPr lang="en-US" sz="1600" b="1" dirty="0">
-              <a:latin typeface="Arial" panose="020B0604020202020204" pitchFamily="34" charset="0"/>
-              <a:cs typeface="Arial" panose="020B0604020202020204" pitchFamily="34" charset="0"/>
-            </a:endParaRPr>
-          </a:p>
-          <a:p>
-            <a:r>
-              <a:rPr lang="en-US" sz="1600" b="0" i="0" dirty="0">
-                <a:solidFill>
-                  <a:srgbClr val="333333"/>
-                </a:solidFill>
-                <a:effectLst/>
-                <a:latin typeface="Arial" panose="020B0604020202020204" pitchFamily="34" charset="0"/>
-                <a:cs typeface="Arial" panose="020B0604020202020204" pitchFamily="34" charset="0"/>
-              </a:rPr>
-              <a:t>mean: 198.38423234066542 Hz</a:t>
-            </a:r>
-          </a:p>
-          <a:p>
-            <a:r>
-              <a:rPr lang="en-US" sz="1600" b="0" i="0" dirty="0">
-                <a:solidFill>
-                  <a:srgbClr val="333333"/>
-                </a:solidFill>
-                <a:effectLst/>
-                <a:latin typeface="Arial" panose="020B0604020202020204" pitchFamily="34" charset="0"/>
-                <a:cs typeface="Arial" panose="020B0604020202020204" pitchFamily="34" charset="0"/>
-              </a:rPr>
-              <a:t>std of </a:t>
-            </a:r>
-            <a:r>
-              <a:rPr lang="en-US" sz="1600" b="0" i="0" dirty="0" err="1">
-                <a:solidFill>
-                  <a:srgbClr val="333333"/>
-                </a:solidFill>
-                <a:effectLst/>
-                <a:latin typeface="Arial" panose="020B0604020202020204" pitchFamily="34" charset="0"/>
-                <a:cs typeface="Arial" panose="020B0604020202020204" pitchFamily="34" charset="0"/>
-              </a:rPr>
-              <a:t>intersample</a:t>
-            </a:r>
-            <a:r>
-              <a:rPr lang="en-US" sz="1600" b="0" i="0" dirty="0">
-                <a:solidFill>
-                  <a:srgbClr val="333333"/>
-                </a:solidFill>
-                <a:effectLst/>
-                <a:latin typeface="Arial" panose="020B0604020202020204" pitchFamily="34" charset="0"/>
-                <a:cs typeface="Arial" panose="020B0604020202020204" pitchFamily="34" charset="0"/>
-              </a:rPr>
-              <a:t> duration: 0.004876950084407895 s</a:t>
-            </a:r>
-          </a:p>
-          <a:p>
-            <a:r>
-              <a:rPr lang="en-US" sz="1600" b="0" i="0" dirty="0">
-                <a:solidFill>
-                  <a:srgbClr val="333333"/>
-                </a:solidFill>
-                <a:effectLst/>
-                <a:latin typeface="Arial" panose="020B0604020202020204" pitchFamily="34" charset="0"/>
-                <a:cs typeface="Arial" panose="020B0604020202020204" pitchFamily="34" charset="0"/>
-              </a:rPr>
-              <a:t>min: 7.0670529046647905 Hz </a:t>
-            </a:r>
-          </a:p>
-          <a:p>
-            <a:r>
-              <a:rPr lang="en-US" sz="1600" b="0" i="0" dirty="0">
-                <a:solidFill>
-                  <a:srgbClr val="333333"/>
-                </a:solidFill>
-                <a:effectLst/>
-                <a:latin typeface="Arial" panose="020B0604020202020204" pitchFamily="34" charset="0"/>
-                <a:cs typeface="Arial" panose="020B0604020202020204" pitchFamily="34" charset="0"/>
-              </a:rPr>
-              <a:t>max: inf Hz (for some reason some samples have the same MATLAB time)</a:t>
-            </a:r>
-            <a:endParaRPr lang="en-US" sz="1600" dirty="0">
-              <a:solidFill>
-                <a:srgbClr val="333333"/>
-              </a:solidFill>
-              <a:latin typeface="Arial" panose="020B0604020202020204" pitchFamily="34" charset="0"/>
-              <a:cs typeface="Arial" panose="020B0604020202020204" pitchFamily="34" charset="0"/>
-            </a:endParaRPr>
-          </a:p>
-          <a:p>
-            <a:endParaRPr lang="en-US" sz="1600" b="0" i="0" dirty="0">
-              <a:solidFill>
-                <a:srgbClr val="333333"/>
-              </a:solidFill>
-              <a:effectLst/>
-              <a:latin typeface="Arial" panose="020B0604020202020204" pitchFamily="34" charset="0"/>
-              <a:cs typeface="Arial" panose="020B0604020202020204" pitchFamily="34" charset="0"/>
-            </a:endParaRPr>
-          </a:p>
-          <a:p>
-            <a:r>
-              <a:rPr lang="en-US" sz="1600" b="0" i="0" dirty="0">
-                <a:solidFill>
-                  <a:srgbClr val="333333"/>
-                </a:solidFill>
-                <a:effectLst/>
-                <a:latin typeface="Arial" panose="020B0604020202020204" pitchFamily="34" charset="0"/>
-                <a:cs typeface="Arial" panose="020B0604020202020204" pitchFamily="34" charset="0"/>
-              </a:rPr>
-              <a:t>90th slowest percentile 142.91635106016963 </a:t>
-            </a:r>
-          </a:p>
-          <a:p>
-            <a:r>
-              <a:rPr lang="en-US" sz="1600" b="0" i="0" dirty="0">
-                <a:solidFill>
-                  <a:srgbClr val="333333"/>
-                </a:solidFill>
-                <a:effectLst/>
-                <a:latin typeface="Arial" panose="020B0604020202020204" pitchFamily="34" charset="0"/>
-                <a:cs typeface="Arial" panose="020B0604020202020204" pitchFamily="34" charset="0"/>
-              </a:rPr>
-              <a:t>99th slowest percentile 35.11407580020113 </a:t>
-            </a:r>
-          </a:p>
-          <a:p>
-            <a:r>
-              <a:rPr lang="en-US" sz="1600" b="0" i="0" dirty="0">
-                <a:solidFill>
-                  <a:srgbClr val="333333"/>
-                </a:solidFill>
-                <a:effectLst/>
-                <a:latin typeface="Arial" panose="020B0604020202020204" pitchFamily="34" charset="0"/>
-                <a:cs typeface="Arial" panose="020B0604020202020204" pitchFamily="34" charset="0"/>
-              </a:rPr>
-              <a:t>99.9th slowest percentile 30.399102428821255</a:t>
-            </a:r>
-            <a:endParaRPr lang="en-US" sz="1600" b="1" dirty="0">
-              <a:latin typeface="Arial" panose="020B0604020202020204" pitchFamily="34" charset="0"/>
-              <a:cs typeface="Arial" panose="020B0604020202020204" pitchFamily="34" charset="0"/>
-            </a:endParaRPr>
-          </a:p>
-        </p:txBody>
-      </p:sp>
-      <p:sp>
-        <p:nvSpPr>
-          <p:cNvPr id="15" name="Title 1">
-            <a:extLst>
-              <a:ext uri="{FF2B5EF4-FFF2-40B4-BE49-F238E27FC236}">
-                <a16:creationId xmlns:a16="http://schemas.microsoft.com/office/drawing/2014/main" id="{E26DA088-49BE-618B-065B-31518FE7DF07}"/>
-              </a:ext>
-            </a:extLst>
-          </p:cNvPr>
-          <p:cNvSpPr txBox="1">
-            <a:spLocks/>
-          </p:cNvSpPr>
+      </p:pic>
+      <p:pic>
+        <p:nvPicPr>
+          <p:cNvPr id="4" name="Picture 3">
+            <a:extLst>
+              <a:ext uri="{FF2B5EF4-FFF2-40B4-BE49-F238E27FC236}">
+                <a16:creationId xmlns:a16="http://schemas.microsoft.com/office/drawing/2014/main" id="{A6735C1F-52A4-0216-FFD4-023DB570979A}"/>
+              </a:ext>
+            </a:extLst>
+          </p:cNvPr>
+          <p:cNvPicPr>
+            <a:picLocks noChangeAspect="1"/>
+          </p:cNvPicPr>
           <p:nvPr/>
-        </p:nvSpPr>
+        </p:nvPicPr>
+        <p:blipFill>
+          <a:blip r:embed="rId3"/>
+          <a:stretch>
+            <a:fillRect/>
+          </a:stretch>
+        </p:blipFill>
         <p:spPr>
           <a:xfrm>
-            <a:off x="6254646" y="1644052"/>
-            <a:ext cx="5587584" cy="4743892"/>
+            <a:off x="4414321" y="1014412"/>
+            <a:ext cx="3848100" cy="2882900"/>
           </a:xfrm>
           <a:prstGeom prst="rect">
             <a:avLst/>
           </a:prstGeom>
         </p:spPr>
-        <p:txBody>
-          <a:bodyPr vert="horz" lIns="91440" tIns="45720" rIns="91440" bIns="45720" rtlCol="0" anchor="t">
-            <a:normAutofit fontScale="97500"/>
-          </a:bodyPr>
-          <a:lstStyle>
-            <a:lvl1pPr algn="l" defTabSz="914400" rtl="0" eaLnBrk="1" latinLnBrk="0" hangingPunct="1">
-              <a:lnSpc>
-                <a:spcPct val="90000"/>
-              </a:lnSpc>
-              <a:spcBef>
-                <a:spcPct val="0"/>
-              </a:spcBef>
-              <a:buNone/>
-              <a:defRPr sz="4400" kern="1200">
-                <a:solidFill>
-                  <a:schemeClr val="tx1"/>
-                </a:solidFill>
-                <a:latin typeface="+mj-lt"/>
-                <a:ea typeface="+mj-ea"/>
-                <a:cs typeface="+mj-cs"/>
-              </a:defRPr>
-            </a:lvl1pPr>
-          </a:lstStyle>
-          <a:p>
-            <a:r>
-              <a:rPr lang="en-US" sz="1600" b="1" dirty="0">
-                <a:latin typeface="Arial" panose="020B0604020202020204" pitchFamily="34" charset="0"/>
-                <a:cs typeface="Arial" panose="020B0604020202020204" pitchFamily="34" charset="0"/>
-              </a:rPr>
-              <a:t>Sampling asynchronously (</a:t>
-            </a:r>
-            <a:r>
-              <a:rPr lang="en-US" sz="1600" b="1" dirty="0" err="1">
-                <a:latin typeface="Arial" panose="020B0604020202020204" pitchFamily="34" charset="0"/>
-                <a:cs typeface="Arial" panose="020B0604020202020204" pitchFamily="34" charset="0"/>
-              </a:rPr>
-              <a:t>lever_data</a:t>
-            </a:r>
-            <a:r>
-              <a:rPr lang="en-US" sz="1600" b="1" dirty="0">
-                <a:latin typeface="Arial" panose="020B0604020202020204" pitchFamily="34" charset="0"/>
-                <a:cs typeface="Arial" panose="020B0604020202020204" pitchFamily="34" charset="0"/>
-              </a:rPr>
-              <a:t>):</a:t>
-            </a:r>
-          </a:p>
-          <a:p>
-            <a:endParaRPr lang="en-US" sz="1600" b="1" dirty="0">
-              <a:latin typeface="Arial" panose="020B0604020202020204" pitchFamily="34" charset="0"/>
-              <a:cs typeface="Arial" panose="020B0604020202020204" pitchFamily="34" charset="0"/>
-            </a:endParaRPr>
-          </a:p>
-          <a:p>
-            <a:endParaRPr lang="en-US" sz="1600" b="1" dirty="0">
-              <a:latin typeface="Arial" panose="020B0604020202020204" pitchFamily="34" charset="0"/>
-              <a:cs typeface="Arial" panose="020B0604020202020204" pitchFamily="34" charset="0"/>
-            </a:endParaRPr>
-          </a:p>
-          <a:p>
-            <a:r>
-              <a:rPr lang="en-US" sz="1600" b="0" i="0" dirty="0">
-                <a:solidFill>
-                  <a:srgbClr val="333333"/>
-                </a:solidFill>
-                <a:effectLst/>
-                <a:latin typeface="Arial" panose="020B0604020202020204" pitchFamily="34" charset="0"/>
-                <a:cs typeface="Arial" panose="020B0604020202020204" pitchFamily="34" charset="0"/>
-              </a:rPr>
-              <a:t>mean: 5863.553632027255 Hz </a:t>
-            </a:r>
-          </a:p>
-          <a:p>
-            <a:r>
-              <a:rPr lang="en-US" sz="1600" b="0" i="0" dirty="0">
-                <a:solidFill>
-                  <a:srgbClr val="333333"/>
-                </a:solidFill>
-                <a:effectLst/>
-                <a:latin typeface="Arial" panose="020B0604020202020204" pitchFamily="34" charset="0"/>
-                <a:cs typeface="Arial" panose="020B0604020202020204" pitchFamily="34" charset="0"/>
-              </a:rPr>
-              <a:t>std of </a:t>
-            </a:r>
-            <a:r>
-              <a:rPr lang="en-US" sz="1600" b="0" i="0" dirty="0" err="1">
-                <a:solidFill>
-                  <a:srgbClr val="333333"/>
-                </a:solidFill>
-                <a:effectLst/>
-                <a:latin typeface="Arial" panose="020B0604020202020204" pitchFamily="34" charset="0"/>
-                <a:cs typeface="Arial" panose="020B0604020202020204" pitchFamily="34" charset="0"/>
-              </a:rPr>
-              <a:t>intersample</a:t>
-            </a:r>
-            <a:r>
-              <a:rPr lang="en-US" sz="1600" b="0" i="0" dirty="0">
-                <a:solidFill>
-                  <a:srgbClr val="333333"/>
-                </a:solidFill>
-                <a:effectLst/>
-                <a:latin typeface="Arial" panose="020B0604020202020204" pitchFamily="34" charset="0"/>
-                <a:cs typeface="Arial" panose="020B0604020202020204" pitchFamily="34" charset="0"/>
-              </a:rPr>
-              <a:t> duration:  6.284963455219297e-06 s</a:t>
-            </a:r>
-          </a:p>
-          <a:p>
-            <a:r>
-              <a:rPr lang="en-US" sz="1600" b="0" i="0" dirty="0">
-                <a:solidFill>
-                  <a:srgbClr val="333333"/>
-                </a:solidFill>
-                <a:effectLst/>
-                <a:latin typeface="Arial" panose="020B0604020202020204" pitchFamily="34" charset="0"/>
-                <a:cs typeface="Arial" panose="020B0604020202020204" pitchFamily="34" charset="0"/>
-              </a:rPr>
-              <a:t>min: 4111.914414672553 Hz </a:t>
-            </a:r>
-          </a:p>
-          <a:p>
-            <a:r>
-              <a:rPr lang="en-US" sz="1600" b="0" i="0" dirty="0">
-                <a:solidFill>
-                  <a:srgbClr val="333333"/>
-                </a:solidFill>
-                <a:effectLst/>
-                <a:latin typeface="Arial" panose="020B0604020202020204" pitchFamily="34" charset="0"/>
-                <a:cs typeface="Arial" panose="020B0604020202020204" pitchFamily="34" charset="0"/>
-              </a:rPr>
-              <a:t>max: 5882.776329143213 Hz </a:t>
-            </a:r>
-          </a:p>
-          <a:p>
-            <a:endParaRPr lang="en-US" sz="1600" b="0" i="0" dirty="0">
-              <a:solidFill>
-                <a:srgbClr val="333333"/>
-              </a:solidFill>
-              <a:effectLst/>
-              <a:latin typeface="Arial" panose="020B0604020202020204" pitchFamily="34" charset="0"/>
-              <a:cs typeface="Arial" panose="020B0604020202020204" pitchFamily="34" charset="0"/>
-            </a:endParaRPr>
-          </a:p>
-          <a:p>
-            <a:endParaRPr lang="en-US" sz="1600" b="0" i="0" dirty="0">
-              <a:solidFill>
-                <a:srgbClr val="333333"/>
-              </a:solidFill>
-              <a:effectLst/>
-              <a:latin typeface="Arial" panose="020B0604020202020204" pitchFamily="34" charset="0"/>
-              <a:cs typeface="Arial" panose="020B0604020202020204" pitchFamily="34" charset="0"/>
-            </a:endParaRPr>
-          </a:p>
-          <a:p>
-            <a:r>
-              <a:rPr lang="en-US" sz="1600" b="0" i="0" dirty="0">
-                <a:solidFill>
-                  <a:srgbClr val="333333"/>
-                </a:solidFill>
-                <a:effectLst/>
-                <a:latin typeface="Arial" panose="020B0604020202020204" pitchFamily="34" charset="0"/>
-                <a:cs typeface="Arial" panose="020B0604020202020204" pitchFamily="34" charset="0"/>
-              </a:rPr>
-              <a:t>90th slowest percentile 5882.195786268558 </a:t>
-            </a:r>
-          </a:p>
-          <a:p>
-            <a:r>
-              <a:rPr lang="en-US" sz="1600" b="0" i="0" dirty="0">
-                <a:solidFill>
-                  <a:srgbClr val="333333"/>
-                </a:solidFill>
-                <a:effectLst/>
-                <a:latin typeface="Arial" panose="020B0604020202020204" pitchFamily="34" charset="0"/>
-                <a:cs typeface="Arial" panose="020B0604020202020204" pitchFamily="34" charset="0"/>
-              </a:rPr>
-              <a:t>99th slowest percentile 5881.783760278223 </a:t>
-            </a:r>
-          </a:p>
-          <a:p>
-            <a:r>
-              <a:rPr lang="en-US" sz="1600" b="0" i="0" dirty="0">
-                <a:solidFill>
-                  <a:srgbClr val="333333"/>
-                </a:solidFill>
-                <a:effectLst/>
-                <a:latin typeface="Arial" panose="020B0604020202020204" pitchFamily="34" charset="0"/>
-                <a:cs typeface="Arial" panose="020B0604020202020204" pitchFamily="34" charset="0"/>
-              </a:rPr>
-              <a:t>99.9th slowest percentile 4111.914414672553</a:t>
-            </a:r>
-            <a:endParaRPr lang="en-US" sz="1600" b="1" dirty="0">
-              <a:latin typeface="Arial" panose="020B0604020202020204" pitchFamily="34" charset="0"/>
-              <a:cs typeface="Arial" panose="020B0604020202020204" pitchFamily="34" charset="0"/>
-            </a:endParaRPr>
-          </a:p>
-        </p:txBody>
-      </p:sp>
+      </p:pic>
     </p:spTree>
     <p:extLst>
       <p:ext uri="{BB962C8B-B14F-4D97-AF65-F5344CB8AC3E}">
-        <p14:creationId xmlns:p14="http://schemas.microsoft.com/office/powerpoint/2010/main" val="823912132"/>
+        <p14:creationId xmlns:p14="http://schemas.microsoft.com/office/powerpoint/2010/main" val="707224269"/>
       </p:ext>
     </p:extLst>
   </p:cSld>
